--- a/01-CourseIntroduction/CourseIntroduction.pptx
+++ b/01-CourseIntroduction/CourseIntroduction.pptx
@@ -5,15 +5,16 @@
     <p:sldMasterId id="2147484995" r:id="rId1"/>
   </p:sldMasterIdLst>
   <p:notesMasterIdLst>
-    <p:notesMasterId r:id="rId5"/>
+    <p:notesMasterId r:id="rId6"/>
   </p:notesMasterIdLst>
   <p:handoutMasterIdLst>
-    <p:handoutMasterId r:id="rId6"/>
+    <p:handoutMasterId r:id="rId7"/>
   </p:handoutMasterIdLst>
   <p:sldIdLst>
     <p:sldId id="256" r:id="rId2"/>
-    <p:sldId id="264" r:id="rId3"/>
+    <p:sldId id="266" r:id="rId3"/>
     <p:sldId id="265" r:id="rId4"/>
+    <p:sldId id="264" r:id="rId5"/>
   </p:sldIdLst>
   <p:sldSz cx="12192000" cy="6858000"/>
   <p:notesSz cx="9144000" cy="6858000"/>
@@ -202,7 +203,7 @@
           <a:p>
             <a:fld id="{C106EF3D-C2A7-4690-80C8-C2473A856193}" type="datetimeFigureOut">
               <a:rPr lang="pl-PL" smtClean="0"/>
-              <a:t>2020-02-21</a:t>
+              <a:t>2020-02-23</a:t>
             </a:fld>
             <a:endParaRPr lang="pl-PL" dirty="0"/>
           </a:p>
@@ -367,7 +368,7 @@
           <a:p>
             <a:fld id="{85D68E81-03CD-43A1-B18B-BEB6B9439387}" type="datetimeFigureOut">
               <a:rPr lang="pl-PL" smtClean="0"/>
-              <a:t>2020-02-21</a:t>
+              <a:t>2020-02-23</a:t>
             </a:fld>
             <a:endParaRPr lang="pl-PL" dirty="0"/>
           </a:p>
@@ -763,7 +764,7 @@
           <a:p>
             <a:fld id="{F26B3061-B9B7-461F-AB67-5D66A3ABCDA5}" type="datetime1">
               <a:rPr lang="pl-PL" smtClean="0"/>
-              <a:t>2020-02-21</a:t>
+              <a:t>2020-02-23</a:t>
             </a:fld>
             <a:endParaRPr lang="pl-PL" dirty="0"/>
           </a:p>
@@ -1038,7 +1039,7 @@
           <a:p>
             <a:fld id="{A2ADAE54-1728-4B6D-BEF4-D2AEA4F8114E}" type="datetime1">
               <a:rPr lang="pl-PL" smtClean="0"/>
-              <a:t>2020-02-21</a:t>
+              <a:t>2020-02-23</a:t>
             </a:fld>
             <a:endParaRPr lang="pl-PL" dirty="0"/>
           </a:p>
@@ -1290,7 +1291,7 @@
           <a:p>
             <a:fld id="{919C3B4F-179D-44ED-90DF-E8739DC8608F}" type="datetime1">
               <a:rPr lang="pl-PL" smtClean="0"/>
-              <a:t>2020-02-21</a:t>
+              <a:t>2020-02-23</a:t>
             </a:fld>
             <a:endParaRPr lang="pl-PL" dirty="0"/>
           </a:p>
@@ -1458,7 +1459,7 @@
           <a:p>
             <a:fld id="{10A2297D-8C4B-4C5B-B66E-47E601842B03}" type="datetime1">
               <a:rPr lang="pl-PL" smtClean="0"/>
-              <a:t>2020-02-21</a:t>
+              <a:t>2020-02-23</a:t>
             </a:fld>
             <a:endParaRPr lang="pl-PL" dirty="0"/>
           </a:p>
@@ -1636,7 +1637,7 @@
           <a:p>
             <a:fld id="{94B42B50-113C-45E3-9231-B66C297B394E}" type="datetime1">
               <a:rPr lang="pl-PL" smtClean="0"/>
-              <a:t>2020-02-21</a:t>
+              <a:t>2020-02-23</a:t>
             </a:fld>
             <a:endParaRPr lang="pl-PL" dirty="0"/>
           </a:p>
@@ -1793,7 +1794,7 @@
           <a:p>
             <a:fld id="{9549FAE5-AB97-492F-ADAE-06E72624D9F3}" type="datetime1">
               <a:rPr lang="pl-PL" smtClean="0"/>
-              <a:t>2020-02-21</a:t>
+              <a:t>2020-02-23</a:t>
             </a:fld>
             <a:endParaRPr lang="pl-PL" dirty="0"/>
           </a:p>
@@ -1981,7 +1982,7 @@
           <a:p>
             <a:fld id="{9549FAE5-AB97-492F-ADAE-06E72624D9F3}" type="datetime1">
               <a:rPr lang="pl-PL" smtClean="0"/>
-              <a:t>2020-02-21</a:t>
+              <a:t>2020-02-23</a:t>
             </a:fld>
             <a:endParaRPr lang="pl-PL" dirty="0"/>
           </a:p>
@@ -2168,7 +2169,7 @@
           <a:p>
             <a:fld id="{9549FAE5-AB97-492F-ADAE-06E72624D9F3}" type="datetime1">
               <a:rPr lang="pl-PL" smtClean="0"/>
-              <a:t>2020-02-21</a:t>
+              <a:t>2020-02-23</a:t>
             </a:fld>
             <a:endParaRPr lang="pl-PL" dirty="0"/>
           </a:p>
@@ -2440,7 +2441,7 @@
           <a:p>
             <a:fld id="{ED0EDA0A-F020-4B01-AF63-E290248EFD6B}" type="datetime1">
               <a:rPr lang="pl-PL" smtClean="0"/>
-              <a:t>2020-02-21</a:t>
+              <a:t>2020-02-23</a:t>
             </a:fld>
             <a:endParaRPr lang="pl-PL" dirty="0"/>
           </a:p>
@@ -2696,7 +2697,7 @@
           <a:p>
             <a:fld id="{8B752FBA-2CC8-4F32-B36A-B6E16B4A5C14}" type="datetime1">
               <a:rPr lang="pl-PL" smtClean="0"/>
-              <a:t>2020-02-21</a:t>
+              <a:t>2020-02-23</a:t>
             </a:fld>
             <a:endParaRPr lang="pl-PL" dirty="0"/>
           </a:p>
@@ -3082,7 +3083,7 @@
           <a:p>
             <a:fld id="{3B7BA32A-B79B-42FE-906A-2593AD6A7FCC}" type="datetime1">
               <a:rPr lang="pl-PL" smtClean="0"/>
-              <a:t>2020-02-21</a:t>
+              <a:t>2020-02-23</a:t>
             </a:fld>
             <a:endParaRPr lang="pl-PL" dirty="0"/>
           </a:p>
@@ -3204,7 +3205,7 @@
           <a:p>
             <a:fld id="{3E28EDCB-CC2B-4C70-B921-DD5382BD4849}" type="datetime1">
               <a:rPr lang="pl-PL" smtClean="0"/>
-              <a:t>2020-02-21</a:t>
+              <a:t>2020-02-23</a:t>
             </a:fld>
             <a:endParaRPr lang="pl-PL" dirty="0"/>
           </a:p>
@@ -3299,7 +3300,7 @@
           <a:p>
             <a:fld id="{E960CF9B-2F8C-4614-93FE-75BD5748BF99}" type="datetime1">
               <a:rPr lang="pl-PL" smtClean="0"/>
-              <a:t>2020-02-21</a:t>
+              <a:t>2020-02-23</a:t>
             </a:fld>
             <a:endParaRPr lang="pl-PL" dirty="0"/>
           </a:p>
@@ -3515,7 +3516,7 @@
           <a:p>
             <a:fld id="{8F276EAB-4011-4C81-ACEC-B79731A9A244}" type="datetime1">
               <a:rPr lang="pl-PL" smtClean="0"/>
-              <a:t>2020-02-21</a:t>
+              <a:t>2020-02-23</a:t>
             </a:fld>
             <a:endParaRPr lang="pl-PL" dirty="0"/>
           </a:p>
@@ -4001,60 +4002,13 @@
       </p:grpSpPr>
       <p:sp>
         <p:nvSpPr>
-          <p:cNvPr id="2" name="Symbol zastępczy zawartości 1"/>
-          <p:cNvSpPr>
-            <a:spLocks noGrp="1"/>
-          </p:cNvSpPr>
-          <p:nvPr>
-            <p:ph idx="1"/>
-          </p:nvPr>
-        </p:nvSpPr>
-        <p:spPr/>
-        <p:txBody>
-          <a:bodyPr>
-            <a:normAutofit/>
-          </a:bodyPr>
-          <a:lstStyle/>
-          <a:p>
-            <a:r>
-              <a:rPr lang="pl-PL" noProof="0" dirty="0"/>
-              <a:t>Obecności: 		0-20 pkt (zaliczenie min. 10 pkt / 50%)</a:t>
-            </a:r>
-          </a:p>
-          <a:p>
-            <a:r>
-              <a:rPr lang="pl-PL" dirty="0"/>
-              <a:t>Kolokwium: 	0-40 pkt (zaliczenie min. 20 pkt / 50%)</a:t>
-            </a:r>
-          </a:p>
-          <a:p>
-            <a:r>
-              <a:rPr lang="pl-PL" noProof="0" dirty="0"/>
-              <a:t>Projekt: 		0-40 pkt (zaliczenie min. </a:t>
-            </a:r>
-            <a:r>
-              <a:rPr lang="pl-PL" dirty="0"/>
-              <a:t>20 pkt / 50%)</a:t>
-            </a:r>
-            <a:endParaRPr lang="pl-PL" noProof="0" dirty="0"/>
-          </a:p>
-          <a:p>
-            <a:r>
-              <a:rPr lang="pl-PL" dirty="0"/>
-              <a:t>RAZEM: 		0-100 pkt (zaliczenie min. 50 pkt / 50%)</a:t>
-            </a:r>
-          </a:p>
-          <a:p>
-            <a:r>
-              <a:rPr lang="pl-PL" noProof="0" dirty="0"/>
-              <a:t>Warunkiem zaliczenia kursu jest zaliczenie każdego z wymienionych elementów.</a:t>
-            </a:r>
-          </a:p>
-        </p:txBody>
-      </p:sp>
-      <p:sp>
-        <p:nvSpPr>
-          <p:cNvPr id="3" name="Tytuł 2"/>
+          <p:cNvPr id="4" name="Tytuł 3">
+            <a:extLst>
+              <a:ext uri="{FF2B5EF4-FFF2-40B4-BE49-F238E27FC236}">
+                <a16:creationId xmlns:a16="http://schemas.microsoft.com/office/drawing/2014/main" id="{9EABDF73-F694-410A-85E7-656F8D9795F1}"/>
+              </a:ext>
+            </a:extLst>
+          </p:cNvPr>
           <p:cNvSpPr>
             <a:spLocks noGrp="1"/>
           </p:cNvSpPr>
@@ -4068,20 +4022,189 @@
           <a:lstStyle/>
           <a:p>
             <a:r>
-              <a:rPr lang="pl-PL" noProof="0" dirty="0"/>
-              <a:t>Course </a:t>
-            </a:r>
-            <a:r>
-              <a:rPr lang="pl-PL" noProof="0" dirty="0" err="1"/>
-              <a:t>Conditions</a:t>
-            </a:r>
-            <a:endParaRPr lang="en-GB" noProof="0" dirty="0"/>
-          </a:p>
-        </p:txBody>
-      </p:sp>
-      <p:sp>
-        <p:nvSpPr>
-          <p:cNvPr id="4" name="Symbol zastępczy numeru slajdu 3"/>
+              <a:rPr lang="pl-PL" dirty="0"/>
+              <a:t>Course Content</a:t>
+            </a:r>
+          </a:p>
+        </p:txBody>
+      </p:sp>
+      <p:sp>
+        <p:nvSpPr>
+          <p:cNvPr id="5" name="Symbol zastępczy zawartości 4">
+            <a:extLst>
+              <a:ext uri="{FF2B5EF4-FFF2-40B4-BE49-F238E27FC236}">
+                <a16:creationId xmlns:a16="http://schemas.microsoft.com/office/drawing/2014/main" id="{8922FD2C-BE20-4783-80E3-B636C9B629C6}"/>
+              </a:ext>
+            </a:extLst>
+          </p:cNvPr>
+          <p:cNvSpPr>
+            <a:spLocks noGrp="1"/>
+          </p:cNvSpPr>
+          <p:nvPr>
+            <p:ph sz="half" idx="1"/>
+          </p:nvPr>
+        </p:nvSpPr>
+        <p:spPr/>
+        <p:txBody>
+          <a:bodyPr/>
+          <a:lstStyle/>
+          <a:p>
+            <a:r>
+              <a:rPr lang="pl-PL" dirty="0"/>
+              <a:t>01-</a:t>
+            </a:r>
+            <a:r>
+              <a:rPr lang="pl-PL" dirty="0" err="1"/>
+              <a:t>CourseIntroduction</a:t>
+            </a:r>
+            <a:endParaRPr lang="pl-PL" dirty="0"/>
+          </a:p>
+          <a:p>
+            <a:r>
+              <a:rPr lang="pl-PL" dirty="0"/>
+              <a:t>02-</a:t>
+            </a:r>
+            <a:r>
+              <a:rPr lang="pl-PL" dirty="0" err="1"/>
+              <a:t>JSCoreConcepts</a:t>
+            </a:r>
+            <a:endParaRPr lang="pl-PL" dirty="0"/>
+          </a:p>
+          <a:p>
+            <a:r>
+              <a:rPr lang="pl-PL" dirty="0" err="1"/>
+              <a:t>03-DOM&amp;HandlingEvents</a:t>
+            </a:r>
+            <a:endParaRPr lang="pl-PL" dirty="0"/>
+          </a:p>
+          <a:p>
+            <a:r>
+              <a:rPr lang="pl-PL" dirty="0" err="1"/>
+              <a:t>04-JSON&amp;DataTransfer</a:t>
+            </a:r>
+            <a:endParaRPr lang="pl-PL" dirty="0"/>
+          </a:p>
+          <a:p>
+            <a:r>
+              <a:rPr lang="pl-PL" dirty="0"/>
+              <a:t>05-</a:t>
+            </a:r>
+            <a:r>
+              <a:rPr lang="pl-PL" dirty="0" err="1"/>
+              <a:t>VueFundamentals</a:t>
+            </a:r>
+            <a:endParaRPr lang="pl-PL" dirty="0"/>
+          </a:p>
+          <a:p>
+            <a:r>
+              <a:rPr lang="pl-PL" dirty="0"/>
+              <a:t>06-</a:t>
+            </a:r>
+            <a:r>
+              <a:rPr lang="pl-PL" dirty="0" err="1"/>
+              <a:t>VueDataBinding</a:t>
+            </a:r>
+            <a:endParaRPr lang="pl-PL" dirty="0"/>
+          </a:p>
+        </p:txBody>
+      </p:sp>
+      <p:sp>
+        <p:nvSpPr>
+          <p:cNvPr id="6" name="Symbol zastępczy zawartości 5">
+            <a:extLst>
+              <a:ext uri="{FF2B5EF4-FFF2-40B4-BE49-F238E27FC236}">
+                <a16:creationId xmlns:a16="http://schemas.microsoft.com/office/drawing/2014/main" id="{34BCF6CC-95F8-44DD-886A-1D120E5DB020}"/>
+              </a:ext>
+            </a:extLst>
+          </p:cNvPr>
+          <p:cNvSpPr>
+            <a:spLocks noGrp="1"/>
+          </p:cNvSpPr>
+          <p:nvPr>
+            <p:ph sz="half" idx="2"/>
+          </p:nvPr>
+        </p:nvSpPr>
+        <p:spPr/>
+        <p:txBody>
+          <a:bodyPr/>
+          <a:lstStyle/>
+          <a:p>
+            <a:r>
+              <a:rPr lang="pl-PL" dirty="0"/>
+              <a:t>07-</a:t>
+            </a:r>
+            <a:r>
+              <a:rPr lang="pl-PL" dirty="0" err="1"/>
+              <a:t>VueComponents</a:t>
+            </a:r>
+            <a:endParaRPr lang="pl-PL" dirty="0"/>
+          </a:p>
+          <a:p>
+            <a:r>
+              <a:rPr lang="pl-PL" dirty="0"/>
+              <a:t>08-</a:t>
+            </a:r>
+            <a:r>
+              <a:rPr lang="pl-PL" dirty="0" err="1"/>
+              <a:t>ProjectSpecification</a:t>
+            </a:r>
+            <a:endParaRPr lang="pl-PL" dirty="0"/>
+          </a:p>
+          <a:p>
+            <a:r>
+              <a:rPr lang="pl-PL" dirty="0"/>
+              <a:t>09-</a:t>
+            </a:r>
+            <a:r>
+              <a:rPr lang="pl-PL" dirty="0" err="1"/>
+              <a:t>FinalTest</a:t>
+            </a:r>
+            <a:endParaRPr lang="pl-PL" dirty="0"/>
+          </a:p>
+          <a:p>
+            <a:r>
+              <a:rPr lang="pl-PL" dirty="0"/>
+              <a:t>10-</a:t>
+            </a:r>
+            <a:r>
+              <a:rPr lang="pl-PL" dirty="0" err="1"/>
+              <a:t>ProjectImplementation</a:t>
+            </a:r>
+            <a:endParaRPr lang="pl-PL" dirty="0"/>
+          </a:p>
+          <a:p>
+            <a:r>
+              <a:rPr lang="pl-PL" dirty="0"/>
+              <a:t>11-</a:t>
+            </a:r>
+            <a:r>
+              <a:rPr lang="pl-PL" dirty="0" err="1"/>
+              <a:t>FinalTestRetake</a:t>
+            </a:r>
+            <a:endParaRPr lang="pl-PL" dirty="0"/>
+          </a:p>
+          <a:p>
+            <a:r>
+              <a:rPr lang="pl-PL" dirty="0"/>
+              <a:t>12-</a:t>
+            </a:r>
+            <a:r>
+              <a:rPr lang="pl-PL" dirty="0" err="1"/>
+              <a:t>ProjectAssessment</a:t>
+            </a:r>
+            <a:endParaRPr lang="pl-PL" dirty="0"/>
+          </a:p>
+        </p:txBody>
+      </p:sp>
+      <p:sp>
+        <p:nvSpPr>
+          <p:cNvPr id="3" name="Symbol zastępczy numeru slajdu 2">
+            <a:extLst>
+              <a:ext uri="{FF2B5EF4-FFF2-40B4-BE49-F238E27FC236}">
+                <a16:creationId xmlns:a16="http://schemas.microsoft.com/office/drawing/2014/main" id="{C260F55B-43CF-4712-A091-169DB24DA707}"/>
+              </a:ext>
+            </a:extLst>
+          </p:cNvPr>
           <p:cNvSpPr>
             <a:spLocks noGrp="1"/>
           </p:cNvSpPr>
@@ -4105,7 +4228,7 @@
     </p:spTree>
     <p:extLst>
       <p:ext uri="{BB962C8B-B14F-4D97-AF65-F5344CB8AC3E}">
-        <p14:creationId xmlns:p14="http://schemas.microsoft.com/office/powerpoint/2010/main" val="463421417"/>
+        <p14:creationId xmlns:p14="http://schemas.microsoft.com/office/powerpoint/2010/main" val="1778314880"/>
       </p:ext>
     </p:extLst>
   </p:cSld>
@@ -4169,10 +4292,8 @@
               <a:t>	</a:t>
             </a:r>
             <a:r>
-              <a:rPr lang="pl-PL" dirty="0">
-                <a:hlinkClick r:id="rId2"/>
-              </a:rPr>
-              <a:t>https://github.com/stalj/spa</a:t>
+              <a:rPr lang="pl-PL" dirty="0" err="1"/>
+              <a:t>Github</a:t>
             </a:r>
             <a:endParaRPr lang="pl-PL" dirty="0"/>
           </a:p>
@@ -4202,7 +4323,7 @@
             </a:r>
             <a:r>
               <a:rPr lang="pl-PL" dirty="0"/>
-              <a:t> Course (SPA)</a:t>
+              <a:t> Course</a:t>
             </a:r>
           </a:p>
           <a:p>
@@ -4285,6 +4406,139 @@
     <p:extLst>
       <p:ext uri="{BB962C8B-B14F-4D97-AF65-F5344CB8AC3E}">
         <p14:creationId xmlns:p14="http://schemas.microsoft.com/office/powerpoint/2010/main" val="783442309"/>
+      </p:ext>
+    </p:extLst>
+  </p:cSld>
+  <p:clrMapOvr>
+    <a:masterClrMapping/>
+  </p:clrMapOvr>
+</p:sld>
+</file>
+
+<file path=ppt/slides/slide4.xml><?xml version="1.0" encoding="utf-8"?>
+<p:sld xmlns:a="http://schemas.openxmlformats.org/drawingml/2006/main" xmlns:r="http://schemas.openxmlformats.org/officeDocument/2006/relationships" xmlns:p="http://schemas.openxmlformats.org/presentationml/2006/main">
+  <p:cSld>
+    <p:spTree>
+      <p:nvGrpSpPr>
+        <p:cNvPr id="1" name=""/>
+        <p:cNvGrpSpPr/>
+        <p:nvPr/>
+      </p:nvGrpSpPr>
+      <p:grpSpPr>
+        <a:xfrm>
+          <a:off x="0" y="0"/>
+          <a:ext cx="0" cy="0"/>
+          <a:chOff x="0" y="0"/>
+          <a:chExt cx="0" cy="0"/>
+        </a:xfrm>
+      </p:grpSpPr>
+      <p:sp>
+        <p:nvSpPr>
+          <p:cNvPr id="2" name="Symbol zastępczy zawartości 1"/>
+          <p:cNvSpPr>
+            <a:spLocks noGrp="1"/>
+          </p:cNvSpPr>
+          <p:nvPr>
+            <p:ph idx="1"/>
+          </p:nvPr>
+        </p:nvSpPr>
+        <p:spPr/>
+        <p:txBody>
+          <a:bodyPr>
+            <a:normAutofit/>
+          </a:bodyPr>
+          <a:lstStyle/>
+          <a:p>
+            <a:r>
+              <a:rPr lang="pl-PL" noProof="0" dirty="0"/>
+              <a:t>Obecności: 		0-20 pkt (zaliczenie min. 10 pkt / 50%)</a:t>
+            </a:r>
+          </a:p>
+          <a:p>
+            <a:r>
+              <a:rPr lang="pl-PL" dirty="0"/>
+              <a:t>Kolokwium: 	0-40 pkt (zaliczenie min. 20 pkt / 50%)</a:t>
+            </a:r>
+          </a:p>
+          <a:p>
+            <a:r>
+              <a:rPr lang="pl-PL" noProof="0" dirty="0"/>
+              <a:t>Projekt: 		0-40 pkt (zaliczenie min. </a:t>
+            </a:r>
+            <a:r>
+              <a:rPr lang="pl-PL" dirty="0"/>
+              <a:t>20 pkt / 50%)</a:t>
+            </a:r>
+            <a:endParaRPr lang="pl-PL" noProof="0" dirty="0"/>
+          </a:p>
+          <a:p>
+            <a:r>
+              <a:rPr lang="pl-PL" dirty="0"/>
+              <a:t>RAZEM: 		0-100 pkt (zaliczenie min. 50 pkt / 50%)</a:t>
+            </a:r>
+          </a:p>
+          <a:p>
+            <a:r>
+              <a:rPr lang="pl-PL" noProof="0" dirty="0"/>
+              <a:t>Warunkiem zaliczenia kursu jest zaliczenie każdego z wymienionych elementów.</a:t>
+            </a:r>
+          </a:p>
+        </p:txBody>
+      </p:sp>
+      <p:sp>
+        <p:nvSpPr>
+          <p:cNvPr id="3" name="Tytuł 2"/>
+          <p:cNvSpPr>
+            <a:spLocks noGrp="1"/>
+          </p:cNvSpPr>
+          <p:nvPr>
+            <p:ph type="title"/>
+          </p:nvPr>
+        </p:nvSpPr>
+        <p:spPr/>
+        <p:txBody>
+          <a:bodyPr/>
+          <a:lstStyle/>
+          <a:p>
+            <a:r>
+              <a:rPr lang="pl-PL" noProof="0" dirty="0"/>
+              <a:t>Course </a:t>
+            </a:r>
+            <a:r>
+              <a:rPr lang="pl-PL" noProof="0" dirty="0" err="1"/>
+              <a:t>Conditions</a:t>
+            </a:r>
+            <a:endParaRPr lang="en-GB" noProof="0" dirty="0"/>
+          </a:p>
+        </p:txBody>
+      </p:sp>
+      <p:sp>
+        <p:nvSpPr>
+          <p:cNvPr id="4" name="Symbol zastępczy numeru slajdu 3"/>
+          <p:cNvSpPr>
+            <a:spLocks noGrp="1"/>
+          </p:cNvSpPr>
+          <p:nvPr>
+            <p:ph type="sldNum" sz="quarter" idx="12"/>
+          </p:nvPr>
+        </p:nvSpPr>
+        <p:spPr/>
+        <p:txBody>
+          <a:bodyPr/>
+          <a:lstStyle/>
+          <a:p>
+            <a:fld id="{254C963F-D690-449C-B336-8B464EE7B8DB}" type="slidenum">
+              <a:rPr lang="pl-PL" smtClean="0"/>
+              <a:t>4</a:t>
+            </a:fld>
+            <a:endParaRPr lang="pl-PL" dirty="0"/>
+          </a:p>
+        </p:txBody>
+      </p:sp>
+    </p:spTree>
+    <p:extLst>
+      <p:ext uri="{BB962C8B-B14F-4D97-AF65-F5344CB8AC3E}">
+        <p14:creationId xmlns:p14="http://schemas.microsoft.com/office/powerpoint/2010/main" val="463421417"/>
       </p:ext>
     </p:extLst>
   </p:cSld>
